--- a/Building-A-DevOps-Culture.pptx
+++ b/Building-A-DevOps-Culture.pptx
@@ -125,8 +125,9 @@
 <file path=ppt/revisionInfo.xml><?xml version="1.0" encoding="utf-8"?>
 <p1510:revInfo xmlns:a="http://schemas.openxmlformats.org/drawingml/2006/main" xmlns:r="http://schemas.openxmlformats.org/officeDocument/2006/relationships" xmlns:p1510="http://schemas.microsoft.com/office/powerpoint/2015/10/main">
   <p1510:revLst>
-    <p1510:client id="{67921AD9-6C8E-491E-BC10-3FE0C3C8F2A1}" v="2316" dt="2023-02-27T19:48:16.462"/>
+    <p1510:client id="{67921AD9-6C8E-491E-BC10-3FE0C3C8F2A1}" v="2328" dt="2023-02-28T06:33:30.616"/>
     <p1510:client id="{8AE542D4-ADF5-4414-A7E4-7CEBAA768F2F}" v="457" dt="2023-02-26T06:26:22.600"/>
+    <p1510:client id="{E8779F3A-3500-4F2F-9A12-6CD67E663505}" v="16" dt="2023-02-28T14:02:11.916"/>
   </p1510:revLst>
 </p1510:revInfo>
 </file>
@@ -290,7 +291,7 @@
   <pc:docChgLst>
     <pc:chgData name="Harish Karthic B" userId="3ba04fddd8936ec7" providerId="Windows Live" clId="Web-{67921AD9-6C8E-491E-BC10-3FE0C3C8F2A1}"/>
     <pc:docChg chg="addSld delSld modSld">
-      <pc:chgData name="Harish Karthic B" userId="3ba04fddd8936ec7" providerId="Windows Live" clId="Web-{67921AD9-6C8E-491E-BC10-3FE0C3C8F2A1}" dt="2023-02-27T19:48:16.462" v="2322" actId="20577"/>
+      <pc:chgData name="Harish Karthic B" userId="3ba04fddd8936ec7" providerId="Windows Live" clId="Web-{67921AD9-6C8E-491E-BC10-3FE0C3C8F2A1}" dt="2023-02-28T06:33:30.616" v="2334" actId="20577"/>
       <pc:docMkLst>
         <pc:docMk/>
       </pc:docMkLst>
@@ -310,13 +311,13 @@
         </pc:spChg>
       </pc:sldChg>
       <pc:sldChg chg="modSp">
-        <pc:chgData name="Harish Karthic B" userId="3ba04fddd8936ec7" providerId="Windows Live" clId="Web-{67921AD9-6C8E-491E-BC10-3FE0C3C8F2A1}" dt="2023-02-27T19:48:16.462" v="2322" actId="20577"/>
+        <pc:chgData name="Harish Karthic B" userId="3ba04fddd8936ec7" providerId="Windows Live" clId="Web-{67921AD9-6C8E-491E-BC10-3FE0C3C8F2A1}" dt="2023-02-28T06:33:30.616" v="2334" actId="20577"/>
         <pc:sldMkLst>
           <pc:docMk/>
           <pc:sldMk cId="2760523995" sldId="258"/>
         </pc:sldMkLst>
         <pc:spChg chg="mod">
-          <ac:chgData name="Harish Karthic B" userId="3ba04fddd8936ec7" providerId="Windows Live" clId="Web-{67921AD9-6C8E-491E-BC10-3FE0C3C8F2A1}" dt="2023-02-27T19:48:16.462" v="2322" actId="20577"/>
+          <ac:chgData name="Harish Karthic B" userId="3ba04fddd8936ec7" providerId="Windows Live" clId="Web-{67921AD9-6C8E-491E-BC10-3FE0C3C8F2A1}" dt="2023-02-28T06:33:30.616" v="2334" actId="20577"/>
           <ac:spMkLst>
             <pc:docMk/>
             <pc:sldMk cId="2760523995" sldId="258"/>
@@ -378,7 +379,7 @@
         </pc:spChg>
       </pc:sldChg>
       <pc:sldChg chg="modSp">
-        <pc:chgData name="Harish Karthic B" userId="3ba04fddd8936ec7" providerId="Windows Live" clId="Web-{67921AD9-6C8E-491E-BC10-3FE0C3C8F2A1}" dt="2023-02-27T06:32:12.046" v="2259" actId="20577"/>
+        <pc:chgData name="Harish Karthic B" userId="3ba04fddd8936ec7" providerId="Windows Live" clId="Web-{67921AD9-6C8E-491E-BC10-3FE0C3C8F2A1}" dt="2023-02-28T05:40:16.136" v="2326" actId="20577"/>
         <pc:sldMkLst>
           <pc:docMk/>
           <pc:sldMk cId="864928316" sldId="262"/>
@@ -392,7 +393,7 @@
           </ac:spMkLst>
         </pc:spChg>
         <pc:spChg chg="mod">
-          <ac:chgData name="Harish Karthic B" userId="3ba04fddd8936ec7" providerId="Windows Live" clId="Web-{67921AD9-6C8E-491E-BC10-3FE0C3C8F2A1}" dt="2023-02-27T06:32:12.046" v="2259" actId="20577"/>
+          <ac:chgData name="Harish Karthic B" userId="3ba04fddd8936ec7" providerId="Windows Live" clId="Web-{67921AD9-6C8E-491E-BC10-3FE0C3C8F2A1}" dt="2023-02-28T05:40:16.136" v="2326" actId="20577"/>
           <ac:spMkLst>
             <pc:docMk/>
             <pc:sldMk cId="864928316" sldId="262"/>
@@ -599,6 +600,30 @@
       </pc:sldChg>
     </pc:docChg>
   </pc:docChgLst>
+  <pc:docChgLst>
+    <pc:chgData name="Harish Karthic B" userId="3ba04fddd8936ec7" providerId="Windows Live" clId="Web-{E8779F3A-3500-4F2F-9A12-6CD67E663505}"/>
+    <pc:docChg chg="modSld">
+      <pc:chgData name="Harish Karthic B" userId="3ba04fddd8936ec7" providerId="Windows Live" clId="Web-{E8779F3A-3500-4F2F-9A12-6CD67E663505}" dt="2023-02-28T14:02:09.072" v="14" actId="20577"/>
+      <pc:docMkLst>
+        <pc:docMk/>
+      </pc:docMkLst>
+      <pc:sldChg chg="modSp">
+        <pc:chgData name="Harish Karthic B" userId="3ba04fddd8936ec7" providerId="Windows Live" clId="Web-{E8779F3A-3500-4F2F-9A12-6CD67E663505}" dt="2023-02-28T14:02:09.072" v="14" actId="20577"/>
+        <pc:sldMkLst>
+          <pc:docMk/>
+          <pc:sldMk cId="864928316" sldId="262"/>
+        </pc:sldMkLst>
+        <pc:spChg chg="mod">
+          <ac:chgData name="Harish Karthic B" userId="3ba04fddd8936ec7" providerId="Windows Live" clId="Web-{E8779F3A-3500-4F2F-9A12-6CD67E663505}" dt="2023-02-28T14:02:09.072" v="14" actId="20577"/>
+          <ac:spMkLst>
+            <pc:docMk/>
+            <pc:sldMk cId="864928316" sldId="262"/>
+            <ac:spMk id="2" creationId="{28074475-DE50-C7D5-5657-1E51516554F5}"/>
+          </ac:spMkLst>
+        </pc:spChg>
+      </pc:sldChg>
+    </pc:docChg>
+  </pc:docChgLst>
 </pc:chgInfo>
 </file>
 
@@ -731,7 +756,7 @@
           <a:p>
             <a:fld id="{846CE7D5-CF57-46EF-B807-FDD0502418D4}" type="datetimeFigureOut">
               <a:rPr lang="en-US" smtClean="0"/>
-              <a:t>2/27/2023</a:t>
+              <a:t>2/28/2023</a:t>
             </a:fld>
             <a:endParaRPr lang="en-US"/>
           </a:p>
@@ -899,7 +924,7 @@
           <a:p>
             <a:fld id="{846CE7D5-CF57-46EF-B807-FDD0502418D4}" type="datetimeFigureOut">
               <a:rPr lang="en-US" smtClean="0"/>
-              <a:t>2/27/2023</a:t>
+              <a:t>2/28/2023</a:t>
             </a:fld>
             <a:endParaRPr lang="en-US"/>
           </a:p>
@@ -1077,7 +1102,7 @@
           <a:p>
             <a:fld id="{846CE7D5-CF57-46EF-B807-FDD0502418D4}" type="datetimeFigureOut">
               <a:rPr lang="en-US" smtClean="0"/>
-              <a:t>2/27/2023</a:t>
+              <a:t>2/28/2023</a:t>
             </a:fld>
             <a:endParaRPr lang="en-US"/>
           </a:p>
@@ -1245,7 +1270,7 @@
           <a:p>
             <a:fld id="{846CE7D5-CF57-46EF-B807-FDD0502418D4}" type="datetimeFigureOut">
               <a:rPr lang="en-US" smtClean="0"/>
-              <a:t>2/27/2023</a:t>
+              <a:t>2/28/2023</a:t>
             </a:fld>
             <a:endParaRPr lang="en-US"/>
           </a:p>
@@ -1490,7 +1515,7 @@
           <a:p>
             <a:fld id="{846CE7D5-CF57-46EF-B807-FDD0502418D4}" type="datetimeFigureOut">
               <a:rPr lang="en-US" smtClean="0"/>
-              <a:t>2/27/2023</a:t>
+              <a:t>2/28/2023</a:t>
             </a:fld>
             <a:endParaRPr lang="en-US"/>
           </a:p>
@@ -1719,7 +1744,7 @@
           <a:p>
             <a:fld id="{846CE7D5-CF57-46EF-B807-FDD0502418D4}" type="datetimeFigureOut">
               <a:rPr lang="en-US" smtClean="0"/>
-              <a:t>2/27/2023</a:t>
+              <a:t>2/28/2023</a:t>
             </a:fld>
             <a:endParaRPr lang="en-US"/>
           </a:p>
@@ -2083,7 +2108,7 @@
           <a:p>
             <a:fld id="{846CE7D5-CF57-46EF-B807-FDD0502418D4}" type="datetimeFigureOut">
               <a:rPr lang="en-US" smtClean="0"/>
-              <a:t>2/27/2023</a:t>
+              <a:t>2/28/2023</a:t>
             </a:fld>
             <a:endParaRPr lang="en-US"/>
           </a:p>
@@ -2200,7 +2225,7 @@
           <a:p>
             <a:fld id="{846CE7D5-CF57-46EF-B807-FDD0502418D4}" type="datetimeFigureOut">
               <a:rPr lang="en-US" smtClean="0"/>
-              <a:t>2/27/2023</a:t>
+              <a:t>2/28/2023</a:t>
             </a:fld>
             <a:endParaRPr lang="en-US"/>
           </a:p>
@@ -2295,7 +2320,7 @@
           <a:p>
             <a:fld id="{846CE7D5-CF57-46EF-B807-FDD0502418D4}" type="datetimeFigureOut">
               <a:rPr lang="en-US" smtClean="0"/>
-              <a:t>2/27/2023</a:t>
+              <a:t>2/28/2023</a:t>
             </a:fld>
             <a:endParaRPr lang="en-US"/>
           </a:p>
@@ -2570,7 +2595,7 @@
           <a:p>
             <a:fld id="{846CE7D5-CF57-46EF-B807-FDD0502418D4}" type="datetimeFigureOut">
               <a:rPr lang="en-US" smtClean="0"/>
-              <a:t>2/27/2023</a:t>
+              <a:t>2/28/2023</a:t>
             </a:fld>
             <a:endParaRPr lang="en-US"/>
           </a:p>
@@ -2825,7 +2850,7 @@
           <a:p>
             <a:fld id="{846CE7D5-CF57-46EF-B807-FDD0502418D4}" type="datetimeFigureOut">
               <a:rPr lang="en-US" smtClean="0"/>
-              <a:t>2/27/2023</a:t>
+              <a:t>2/28/2023</a:t>
             </a:fld>
             <a:endParaRPr lang="en-US"/>
           </a:p>
@@ -3036,7 +3061,7 @@
           <a:p>
             <a:fld id="{846CE7D5-CF57-46EF-B807-FDD0502418D4}" type="datetimeFigureOut">
               <a:rPr lang="en-US" smtClean="0"/>
-              <a:t>2/27/2023</a:t>
+              <a:t>2/28/2023</a:t>
             </a:fld>
             <a:endParaRPr lang="en-US"/>
           </a:p>
@@ -3905,21 +3930,6 @@
               <a:t>DevOps in modern days.</a:t>
             </a:r>
           </a:p>
-          <a:p>
-            <a:r>
-              <a:rPr lang="en-US" dirty="0">
-                <a:cs typeface="Calibri"/>
-                <a:hlinkClick r:id="rId2"/>
-              </a:rPr>
-              <a:t>Promise of DevOps</a:t>
-            </a:r>
-            <a:r>
-              <a:rPr lang="en-US" dirty="0">
-                <a:cs typeface="Calibri"/>
-              </a:rPr>
-              <a:t>.</a:t>
-            </a:r>
-          </a:p>
         </p:txBody>
       </p:sp>
     </p:spTree>
@@ -4252,10 +4262,10 @@
           <a:lstStyle/>
           <a:p>
             <a:r>
-              <a:rPr lang="en-US">
+              <a:rPr lang="en-US" dirty="0">
                 <a:cs typeface="Calibri Light"/>
               </a:rPr>
-              <a:t>Implementation (of DevOps culture)</a:t>
+              <a:t>Embracing DevOps Culture</a:t>
             </a:r>
           </a:p>
         </p:txBody>
@@ -4284,39 +4294,32 @@
           <a:lstStyle/>
           <a:p>
             <a:r>
-              <a:rPr lang="en-US">
-                <a:cs typeface="Calibri"/>
-              </a:rPr>
-              <a:t>We can't greenfield human beings like we greenfield an application. Or like we teardown an entire application and rebuild from scratch in a new environment.</a:t>
-            </a:r>
-          </a:p>
-          <a:p>
-            <a:r>
-              <a:rPr lang="en-US">
+              <a:rPr lang="en-US" dirty="0">
                 <a:ea typeface="Calibri"/>
                 <a:cs typeface="Calibri"/>
               </a:rPr>
               <a:t>Case study: </a:t>
             </a:r>
+            <a:endParaRPr lang="en-US" dirty="0"/>
           </a:p>
           <a:p>
             <a:pPr lvl="1"/>
             <a:r>
-              <a:rPr lang="en-US" err="1">
+              <a:rPr lang="en-US" dirty="0" err="1">
                 <a:ea typeface="Calibri"/>
                 <a:cs typeface="Calibri"/>
               </a:rPr>
               <a:t>GeoSpring</a:t>
             </a:r>
             <a:r>
-              <a:rPr lang="en-US">
+              <a:rPr lang="en-US" dirty="0">
                 <a:ea typeface="Calibri"/>
                 <a:cs typeface="Calibri"/>
               </a:rPr>
               <a:t> success story </a:t>
             </a:r>
             <a:r>
-              <a:rPr lang="en-US">
+              <a:rPr lang="en-US" dirty="0">
                 <a:ea typeface="+mn-lt"/>
                 <a:cs typeface="+mn-lt"/>
               </a:rPr>
@@ -4326,14 +4329,14 @@
           <a:p>
             <a:pPr lvl="2"/>
             <a:r>
-              <a:rPr lang="en-US">
+              <a:rPr lang="en-US" dirty="0">
                 <a:ea typeface="+mn-lt"/>
                 <a:cs typeface="+mn-lt"/>
                 <a:hlinkClick r:id="rId2"/>
               </a:rPr>
               <a:t>https://www.youtube.com/watch?v=SYpYOmxQe1o</a:t>
             </a:r>
-            <a:endParaRPr lang="en-US">
+            <a:endParaRPr lang="en-US" dirty="0">
               <a:ea typeface="+mn-lt"/>
               <a:cs typeface="+mn-lt"/>
             </a:endParaRPr>

--- a/Building-A-DevOps-Culture.pptx
+++ b/Building-A-DevOps-Culture.pptx
@@ -16,6 +16,7 @@
     <p:sldId id="265" r:id="rId10"/>
     <p:sldId id="269" r:id="rId11"/>
     <p:sldId id="268" r:id="rId12"/>
+    <p:sldId id="270" r:id="rId13"/>
   </p:sldIdLst>
   <p:sldSz cx="12192000" cy="6858000"/>
   <p:notesSz cx="6858000" cy="9144000"/>
@@ -127,7 +128,7 @@
   <p1510:revLst>
     <p1510:client id="{67921AD9-6C8E-491E-BC10-3FE0C3C8F2A1}" v="2328" dt="2023-02-28T06:33:30.616"/>
     <p1510:client id="{8AE542D4-ADF5-4414-A7E4-7CEBAA768F2F}" v="457" dt="2023-02-26T06:26:22.600"/>
-    <p1510:client id="{E8779F3A-3500-4F2F-9A12-6CD67E663505}" v="16" dt="2023-02-28T14:02:11.916"/>
+    <p1510:client id="{E8779F3A-3500-4F2F-9A12-6CD67E663505}" v="22" dt="2023-02-28T17:54:48.328"/>
   </p1510:revLst>
 </p1510:revInfo>
 </file>
@@ -602,8 +603,8 @@
   </pc:docChgLst>
   <pc:docChgLst>
     <pc:chgData name="Harish Karthic B" userId="3ba04fddd8936ec7" providerId="Windows Live" clId="Web-{E8779F3A-3500-4F2F-9A12-6CD67E663505}"/>
-    <pc:docChg chg="modSld">
-      <pc:chgData name="Harish Karthic B" userId="3ba04fddd8936ec7" providerId="Windows Live" clId="Web-{E8779F3A-3500-4F2F-9A12-6CD67E663505}" dt="2023-02-28T14:02:09.072" v="14" actId="20577"/>
+    <pc:docChg chg="addSld modSld">
+      <pc:chgData name="Harish Karthic B" userId="3ba04fddd8936ec7" providerId="Windows Live" clId="Web-{E8779F3A-3500-4F2F-9A12-6CD67E663505}" dt="2023-02-28T17:54:48.328" v="19" actId="20577"/>
       <pc:docMkLst>
         <pc:docMk/>
       </pc:docMkLst>
@@ -619,6 +620,29 @@
             <pc:docMk/>
             <pc:sldMk cId="864928316" sldId="262"/>
             <ac:spMk id="2" creationId="{28074475-DE50-C7D5-5657-1E51516554F5}"/>
+          </ac:spMkLst>
+        </pc:spChg>
+      </pc:sldChg>
+      <pc:sldChg chg="modSp new">
+        <pc:chgData name="Harish Karthic B" userId="3ba04fddd8936ec7" providerId="Windows Live" clId="Web-{E8779F3A-3500-4F2F-9A12-6CD67E663505}" dt="2023-02-28T17:54:48.328" v="19" actId="20577"/>
+        <pc:sldMkLst>
+          <pc:docMk/>
+          <pc:sldMk cId="2345242139" sldId="270"/>
+        </pc:sldMkLst>
+        <pc:spChg chg="mod">
+          <ac:chgData name="Harish Karthic B" userId="3ba04fddd8936ec7" providerId="Windows Live" clId="Web-{E8779F3A-3500-4F2F-9A12-6CD67E663505}" dt="2023-02-28T17:54:43.109" v="17" actId="20577"/>
+          <ac:spMkLst>
+            <pc:docMk/>
+            <pc:sldMk cId="2345242139" sldId="270"/>
+            <ac:spMk id="2" creationId="{2427A558-BF42-4CD8-0A28-D002F6C68D7A}"/>
+          </ac:spMkLst>
+        </pc:spChg>
+        <pc:spChg chg="mod">
+          <ac:chgData name="Harish Karthic B" userId="3ba04fddd8936ec7" providerId="Windows Live" clId="Web-{E8779F3A-3500-4F2F-9A12-6CD67E663505}" dt="2023-02-28T17:54:48.328" v="19" actId="20577"/>
+          <ac:spMkLst>
+            <pc:docMk/>
+            <pc:sldMk cId="2345242139" sldId="270"/>
+            <ac:spMk id="3" creationId="{21DE40F0-D66D-6972-06B3-9843F6DD54B9}"/>
           </ac:spMkLst>
         </pc:spChg>
       </pc:sldChg>
@@ -3708,6 +3732,109 @@
 </p:sld>
 </file>
 
+<file path=ppt/slides/slide12.xml><?xml version="1.0" encoding="utf-8"?>
+<p:sld xmlns:a="http://schemas.openxmlformats.org/drawingml/2006/main" xmlns:r="http://schemas.openxmlformats.org/officeDocument/2006/relationships" xmlns:p="http://schemas.openxmlformats.org/presentationml/2006/main">
+  <p:cSld>
+    <p:spTree>
+      <p:nvGrpSpPr>
+        <p:cNvPr id="1" name=""/>
+        <p:cNvGrpSpPr/>
+        <p:nvPr/>
+      </p:nvGrpSpPr>
+      <p:grpSpPr>
+        <a:xfrm>
+          <a:off x="0" y="0"/>
+          <a:ext cx="0" cy="0"/>
+          <a:chOff x="0" y="0"/>
+          <a:chExt cx="0" cy="0"/>
+        </a:xfrm>
+      </p:grpSpPr>
+      <p:sp>
+        <p:nvSpPr>
+          <p:cNvPr id="2" name="Title 1">
+            <a:extLst>
+              <a:ext uri="{FF2B5EF4-FFF2-40B4-BE49-F238E27FC236}">
+                <a16:creationId xmlns:a16="http://schemas.microsoft.com/office/drawing/2014/main" id="{2427A558-BF42-4CD8-0A28-D002F6C68D7A}"/>
+              </a:ext>
+            </a:extLst>
+          </p:cNvPr>
+          <p:cNvSpPr>
+            <a:spLocks noGrp="1"/>
+          </p:cNvSpPr>
+          <p:nvPr>
+            <p:ph type="title"/>
+          </p:nvPr>
+        </p:nvSpPr>
+        <p:spPr/>
+        <p:txBody>
+          <a:bodyPr/>
+          <a:lstStyle/>
+          <a:p>
+            <a:r>
+              <a:rPr lang="en-US" dirty="0">
+                <a:cs typeface="Calibri Light"/>
+              </a:rPr>
+              <a:t>Short survey</a:t>
+            </a:r>
+            <a:endParaRPr lang="en-US" dirty="0"/>
+          </a:p>
+        </p:txBody>
+      </p:sp>
+      <p:sp>
+        <p:nvSpPr>
+          <p:cNvPr id="3" name="Content Placeholder 2">
+            <a:extLst>
+              <a:ext uri="{FF2B5EF4-FFF2-40B4-BE49-F238E27FC236}">
+                <a16:creationId xmlns:a16="http://schemas.microsoft.com/office/drawing/2014/main" id="{21DE40F0-D66D-6972-06B3-9843F6DD54B9}"/>
+              </a:ext>
+            </a:extLst>
+          </p:cNvPr>
+          <p:cNvSpPr>
+            <a:spLocks noGrp="1"/>
+          </p:cNvSpPr>
+          <p:nvPr>
+            <p:ph idx="1"/>
+          </p:nvPr>
+        </p:nvSpPr>
+        <p:spPr/>
+        <p:txBody>
+          <a:bodyPr vert="horz" lIns="91440" tIns="45720" rIns="91440" bIns="45720" rtlCol="0" anchor="t">
+            <a:normAutofit/>
+          </a:bodyPr>
+          <a:lstStyle/>
+          <a:p>
+            <a:r>
+              <a:rPr lang="en-US" dirty="0">
+                <a:ea typeface="+mn-lt"/>
+                <a:cs typeface="+mn-lt"/>
+                <a:hlinkClick r:id="rId2"/>
+              </a:rPr>
+              <a:t>https://docs.google.com/forms/d/e/1FAIpQLSeBCf4cjnQw5mvb0YjfepL_bKlqCcyZSu-aO45BJ28XK65FYQ/viewform?usp=pp_url</a:t>
+            </a:r>
+            <a:r>
+              <a:rPr lang="en-US" dirty="0">
+                <a:ea typeface="+mn-lt"/>
+                <a:cs typeface="+mn-lt"/>
+              </a:rPr>
+              <a:t> </a:t>
+            </a:r>
+            <a:endParaRPr lang="en-US"/>
+          </a:p>
+        </p:txBody>
+      </p:sp>
+    </p:spTree>
+    <p:extLst>
+      <p:ext uri="{BB962C8B-B14F-4D97-AF65-F5344CB8AC3E}">
+        <p14:creationId xmlns:p14="http://schemas.microsoft.com/office/powerpoint/2010/main" val="2345242139"/>
+      </p:ext>
+    </p:extLst>
+  </p:cSld>
+  <p:clrMapOvr>
+    <a:masterClrMapping/>
+  </p:clrMapOvr>
+</p:sld>
+</file>
+
 <file path=ppt/slides/slide2.xml><?xml version="1.0" encoding="utf-8"?>
 <p:sld xmlns:a="http://schemas.openxmlformats.org/drawingml/2006/main" xmlns:r="http://schemas.openxmlformats.org/officeDocument/2006/relationships" xmlns:p="http://schemas.openxmlformats.org/presentationml/2006/main">
   <p:cSld>
